--- a/trunk/Documentation/Proposal/Proposal Presentation.pptx
+++ b/trunk/Documentation/Proposal/Proposal Presentation.pptx
@@ -413,7 +413,8 @@
           <a:p>
             <a:fld id="{CC3F5C3A-A50F-EE44-B874-FE43F37E4702}" type="datetimeFigureOut">
               <a:rPr lang="en-US" smtClean="0"/>
-              <a:t>1/30/10</a:t>
+              <a:pPr/>
+              <a:t>2/1/10</a:t>
             </a:fld>
             <a:endParaRPr lang="en-US"/>
           </a:p>
@@ -455,6 +456,7 @@
           <a:p>
             <a:fld id="{68EE1E6C-987E-A04D-8F3F-A6D665044B04}" type="slidenum">
               <a:rPr lang="en-US" smtClean="0"/>
+              <a:pPr/>
               <a:t>‹#›</a:t>
             </a:fld>
             <a:endParaRPr lang="en-US"/>
@@ -588,7 +590,8 @@
           <a:p>
             <a:fld id="{CC3F5C3A-A50F-EE44-B874-FE43F37E4702}" type="datetimeFigureOut">
               <a:rPr lang="en-US" smtClean="0"/>
-              <a:t>1/30/10</a:t>
+              <a:pPr/>
+              <a:t>2/1/10</a:t>
             </a:fld>
             <a:endParaRPr lang="en-US"/>
           </a:p>
@@ -630,6 +633,7 @@
           <a:p>
             <a:fld id="{68EE1E6C-987E-A04D-8F3F-A6D665044B04}" type="slidenum">
               <a:rPr lang="en-US" smtClean="0"/>
+              <a:pPr/>
               <a:t>‹#›</a:t>
             </a:fld>
             <a:endParaRPr lang="en-US"/>
@@ -763,7 +767,8 @@
           <a:p>
             <a:fld id="{CC3F5C3A-A50F-EE44-B874-FE43F37E4702}" type="datetimeFigureOut">
               <a:rPr lang="en-US" smtClean="0"/>
-              <a:t>1/30/10</a:t>
+              <a:pPr/>
+              <a:t>2/1/10</a:t>
             </a:fld>
             <a:endParaRPr lang="en-US"/>
           </a:p>
@@ -805,6 +810,7 @@
           <a:p>
             <a:fld id="{68EE1E6C-987E-A04D-8F3F-A6D665044B04}" type="slidenum">
               <a:rPr lang="en-US" smtClean="0"/>
+              <a:pPr/>
               <a:t>‹#›</a:t>
             </a:fld>
             <a:endParaRPr lang="en-US"/>
@@ -938,7 +944,8 @@
           <a:p>
             <a:fld id="{CC3F5C3A-A50F-EE44-B874-FE43F37E4702}" type="datetimeFigureOut">
               <a:rPr lang="en-US" smtClean="0"/>
-              <a:t>1/30/10</a:t>
+              <a:pPr/>
+              <a:t>2/1/10</a:t>
             </a:fld>
             <a:endParaRPr lang="en-US"/>
           </a:p>
@@ -980,6 +987,7 @@
           <a:p>
             <a:fld id="{68EE1E6C-987E-A04D-8F3F-A6D665044B04}" type="slidenum">
               <a:rPr lang="en-US" smtClean="0"/>
+              <a:pPr/>
               <a:t>‹#›</a:t>
             </a:fld>
             <a:endParaRPr lang="en-US"/>
@@ -1307,7 +1315,8 @@
           <a:p>
             <a:fld id="{CC3F5C3A-A50F-EE44-B874-FE43F37E4702}" type="datetimeFigureOut">
               <a:rPr lang="en-US" smtClean="0"/>
-              <a:t>1/30/10</a:t>
+              <a:pPr/>
+              <a:t>2/1/10</a:t>
             </a:fld>
             <a:endParaRPr lang="en-US"/>
           </a:p>
@@ -1349,6 +1358,7 @@
           <a:p>
             <a:fld id="{68EE1E6C-987E-A04D-8F3F-A6D665044B04}" type="slidenum">
               <a:rPr lang="en-US" smtClean="0"/>
+              <a:pPr/>
               <a:t>‹#›</a:t>
             </a:fld>
             <a:endParaRPr lang="en-US"/>
@@ -1566,7 +1576,8 @@
           <a:p>
             <a:fld id="{CC3F5C3A-A50F-EE44-B874-FE43F37E4702}" type="datetimeFigureOut">
               <a:rPr lang="en-US" smtClean="0"/>
-              <a:t>1/30/10</a:t>
+              <a:pPr/>
+              <a:t>2/1/10</a:t>
             </a:fld>
             <a:endParaRPr lang="en-US"/>
           </a:p>
@@ -1608,6 +1619,7 @@
           <a:p>
             <a:fld id="{68EE1E6C-987E-A04D-8F3F-A6D665044B04}" type="slidenum">
               <a:rPr lang="en-US" smtClean="0"/>
+              <a:pPr/>
               <a:t>‹#›</a:t>
             </a:fld>
             <a:endParaRPr lang="en-US"/>
@@ -1940,7 +1952,8 @@
           <a:p>
             <a:fld id="{CC3F5C3A-A50F-EE44-B874-FE43F37E4702}" type="datetimeFigureOut">
               <a:rPr lang="en-US" smtClean="0"/>
-              <a:t>1/30/10</a:t>
+              <a:pPr/>
+              <a:t>2/1/10</a:t>
             </a:fld>
             <a:endParaRPr lang="en-US"/>
           </a:p>
@@ -1982,6 +1995,7 @@
           <a:p>
             <a:fld id="{68EE1E6C-987E-A04D-8F3F-A6D665044B04}" type="slidenum">
               <a:rPr lang="en-US" smtClean="0"/>
+              <a:pPr/>
               <a:t>‹#›</a:t>
             </a:fld>
             <a:endParaRPr lang="en-US"/>
@@ -2053,7 +2067,8 @@
           <a:p>
             <a:fld id="{CC3F5C3A-A50F-EE44-B874-FE43F37E4702}" type="datetimeFigureOut">
               <a:rPr lang="en-US" smtClean="0"/>
-              <a:t>1/30/10</a:t>
+              <a:pPr/>
+              <a:t>2/1/10</a:t>
             </a:fld>
             <a:endParaRPr lang="en-US"/>
           </a:p>
@@ -2095,6 +2110,7 @@
           <a:p>
             <a:fld id="{68EE1E6C-987E-A04D-8F3F-A6D665044B04}" type="slidenum">
               <a:rPr lang="en-US" smtClean="0"/>
+              <a:pPr/>
               <a:t>‹#›</a:t>
             </a:fld>
             <a:endParaRPr lang="en-US"/>
@@ -2225,7 +2241,8 @@
           <a:p>
             <a:fld id="{CC3F5C3A-A50F-EE44-B874-FE43F37E4702}" type="datetimeFigureOut">
               <a:rPr lang="en-US" smtClean="0"/>
-              <a:t>1/30/10</a:t>
+              <a:pPr/>
+              <a:t>2/1/10</a:t>
             </a:fld>
             <a:endParaRPr lang="en-US"/>
           </a:p>
@@ -2267,6 +2284,7 @@
           <a:p>
             <a:fld id="{68EE1E6C-987E-A04D-8F3F-A6D665044B04}" type="slidenum">
               <a:rPr lang="en-US" smtClean="0"/>
+              <a:pPr/>
               <a:t>‹#›</a:t>
             </a:fld>
             <a:endParaRPr lang="en-US"/>
@@ -2550,7 +2568,8 @@
           <a:p>
             <a:fld id="{CC3F5C3A-A50F-EE44-B874-FE43F37E4702}" type="datetimeFigureOut">
               <a:rPr lang="en-US" smtClean="0"/>
-              <a:t>1/30/10</a:t>
+              <a:pPr/>
+              <a:t>2/1/10</a:t>
             </a:fld>
             <a:endParaRPr lang="en-US"/>
           </a:p>
@@ -2592,6 +2611,7 @@
           <a:p>
             <a:fld id="{68EE1E6C-987E-A04D-8F3F-A6D665044B04}" type="slidenum">
               <a:rPr lang="en-US" smtClean="0"/>
+              <a:pPr/>
               <a:t>‹#›</a:t>
             </a:fld>
             <a:endParaRPr lang="en-US"/>
@@ -2907,7 +2927,8 @@
           <a:p>
             <a:fld id="{CC3F5C3A-A50F-EE44-B874-FE43F37E4702}" type="datetimeFigureOut">
               <a:rPr lang="en-US" smtClean="0"/>
-              <a:t>1/30/10</a:t>
+              <a:pPr/>
+              <a:t>2/1/10</a:t>
             </a:fld>
             <a:endParaRPr lang="en-US"/>
           </a:p>
@@ -2949,6 +2970,7 @@
           <a:p>
             <a:fld id="{68EE1E6C-987E-A04D-8F3F-A6D665044B04}" type="slidenum">
               <a:rPr lang="en-US" smtClean="0"/>
+              <a:pPr/>
               <a:t>‹#›</a:t>
             </a:fld>
             <a:endParaRPr lang="en-US"/>
@@ -3311,7 +3333,8 @@
           <a:p>
             <a:fld id="{CC3F5C3A-A50F-EE44-B874-FE43F37E4702}" type="datetimeFigureOut">
               <a:rPr lang="en-US" smtClean="0"/>
-              <a:t>1/30/10</a:t>
+              <a:pPr/>
+              <a:t>2/1/10</a:t>
             </a:fld>
             <a:endParaRPr lang="en-US"/>
           </a:p>
@@ -3389,6 +3412,7 @@
           <a:p>
             <a:fld id="{68EE1E6C-987E-A04D-8F3F-A6D665044B04}" type="slidenum">
               <a:rPr lang="en-US" smtClean="0"/>
+              <a:pPr/>
               <a:t>‹#›</a:t>
             </a:fld>
             <a:endParaRPr lang="en-US"/>
@@ -3788,15 +3812,7 @@
           <a:p>
             <a:r>
               <a:rPr lang="en-US" dirty="0" smtClean="0"/>
-              <a:t>By </a:t>
-            </a:r>
-            <a:r>
-              <a:rPr lang="en-US" dirty="0" smtClean="0"/>
-              <a:t>Jeff </a:t>
-            </a:r>
-            <a:r>
-              <a:rPr lang="en-US" dirty="0" smtClean="0"/>
-              <a:t>Titus</a:t>
+              <a:t>By Jeff Titus</a:t>
             </a:r>
           </a:p>
           <a:p>
@@ -4129,11 +4145,19 @@
                   <a:schemeClr val="bg1"/>
                 </a:solidFill>
               </a:rPr>
-              <a:t>Control</a:t>
-            </a:r>
-            <a:r>
-              <a:rPr lang="en-US" dirty="0" smtClean="0"/>
-              <a:t>: Take back the control of where your money is going with </a:t>
+              <a:t> Control</a:t>
+            </a:r>
+            <a:r>
+              <a:rPr lang="en-US" dirty="0" smtClean="0"/>
+              <a:t>: Take back</a:t>
+            </a:r>
+            <a:r>
+              <a:rPr lang="en-US" dirty="0" smtClean="0"/>
+              <a:t> control </a:t>
+            </a:r>
+            <a:r>
+              <a:rPr lang="en-US" dirty="0" smtClean="0"/>
+              <a:t>of where your money is going with </a:t>
             </a:r>
             <a:r>
               <a:rPr lang="en-US" dirty="0" err="1" smtClean="0"/>
@@ -4158,12 +4182,29 @@
                   <a:srgbClr val="FFFFFF"/>
                 </a:solidFill>
               </a:rPr>
-              <a:t>Visualize</a:t>
-            </a:r>
-            <a:r>
-              <a:rPr lang="en-US" dirty="0" smtClean="0"/>
-              <a:t>:  Visualize your spending habits more easily with easy to use graphing</a:t>
-            </a:r>
+              <a:t> Visualize</a:t>
+            </a:r>
+            <a:r>
+              <a:rPr lang="en-US" dirty="0" smtClean="0"/>
+              <a:t>:  Visualize your spending habits</a:t>
+            </a:r>
+            <a:r>
+              <a:rPr lang="en-US" dirty="0" smtClean="0"/>
+              <a:t> easily using </a:t>
+            </a:r>
+            <a:r>
+              <a:rPr lang="en-US" dirty="0" err="1" smtClean="0"/>
+              <a:t>MintTrack’s</a:t>
+            </a:r>
+            <a:r>
+              <a:rPr lang="en-US" dirty="0" smtClean="0"/>
+              <a:t> </a:t>
+            </a:r>
+            <a:r>
+              <a:rPr lang="en-US" dirty="0" smtClean="0"/>
+              <a:t>graphing abilities</a:t>
+            </a:r>
+            <a:endParaRPr lang="en-US" dirty="0" smtClean="0"/>
           </a:p>
           <a:p>
             <a:endParaRPr lang="en-US" dirty="0" smtClean="0"/>
@@ -4179,11 +4220,15 @@
                   <a:srgbClr val="FFFFFF"/>
                 </a:solidFill>
               </a:rPr>
-              <a:t>Sanity</a:t>
-            </a:r>
-            <a:r>
-              <a:rPr lang="en-US" dirty="0" smtClean="0"/>
-              <a:t>: Feel better knowing where your money is going and save more money knowing where you could spend less.</a:t>
+              <a:t> Sanity</a:t>
+            </a:r>
+            <a:r>
+              <a:rPr lang="en-US" dirty="0" smtClean="0"/>
+              <a:t>:</a:t>
+            </a:r>
+            <a:r>
+              <a:rPr lang="en-US" dirty="0" smtClean="0"/>
+              <a:t> Take your sanity back with the comfort of knowing where you more is being spent.</a:t>
             </a:r>
             <a:endParaRPr lang="en-US" dirty="0"/>
           </a:p>
@@ -4330,7 +4375,19 @@
             </a:r>
             <a:r>
               <a:rPr lang="en-US" dirty="0" smtClean="0"/>
-              <a:t>: To provide a tool that effectively allows a 				    person to track their spending habits and to 		               know where their money is really going.</a:t>
+              <a:t>: To provide a tool that effectively allows</a:t>
+            </a:r>
+            <a:r>
+              <a:rPr lang="en-US" dirty="0" smtClean="0"/>
+              <a:t> you to 			    track personal spending </a:t>
+            </a:r>
+            <a:r>
+              <a:rPr lang="en-US" dirty="0" smtClean="0"/>
+              <a:t>habits</a:t>
+            </a:r>
+            <a:r>
+              <a:rPr lang="en-US" dirty="0" smtClean="0"/>
+              <a:t> and to know 				    where your money is actually going.</a:t>
             </a:r>
           </a:p>
           <a:p>
@@ -4347,7 +4404,15 @@
             </a:r>
             <a:r>
               <a:rPr lang="en-US" dirty="0" smtClean="0"/>
-              <a:t>:   To become proficient Android Developers and to 			    leave the project with the ability to develop        	               useful applications for the Android  Platform</a:t>
+              <a:t>:   To become proficient Android Developers and to 			    leave the project with the ability to develop        	               useful applications for the </a:t>
+            </a:r>
+            <a:r>
+              <a:rPr lang="en-US" dirty="0" smtClean="0"/>
+              <a:t>Android </a:t>
+            </a:r>
+            <a:r>
+              <a:rPr lang="en-US" dirty="0" smtClean="0"/>
+              <a:t>Platform</a:t>
             </a:r>
           </a:p>
           <a:p>
